--- a/학생관리프로그램.pptx
+++ b/학생관리프로그램.pptx
@@ -225,7 +225,7 @@
             <a:fld id="{65771C21-3757-4199-83DE-22960358A2A5}" type="datetimeFigureOut">
               <a:rPr lang="ko-KR" altLang="en-US" smtClean="0"/>
               <a:pPr/>
-              <a:t>2021-04-26</a:t>
+              <a:t>2021-04-29</a:t>
             </a:fld>
             <a:endParaRPr lang="ko-KR" altLang="en-US" dirty="0"/>
           </a:p>
@@ -2893,7 +2893,7 @@
             <a:fld id="{A22FE722-38C7-4231-8BB5-7A27D4E5977D}" type="datetimeFigureOut">
               <a:rPr lang="ko-KR" altLang="en-US" smtClean="0"/>
               <a:pPr/>
-              <a:t>2021-04-26</a:t>
+              <a:t>2021-04-29</a:t>
             </a:fld>
             <a:endParaRPr lang="ko-KR" altLang="en-US" dirty="0"/>
           </a:p>
@@ -3060,7 +3060,7 @@
             <a:fld id="{A22FE722-38C7-4231-8BB5-7A27D4E5977D}" type="datetimeFigureOut">
               <a:rPr lang="ko-KR" altLang="en-US" smtClean="0"/>
               <a:pPr/>
-              <a:t>2021-04-26</a:t>
+              <a:t>2021-04-29</a:t>
             </a:fld>
             <a:endParaRPr lang="ko-KR" altLang="en-US" dirty="0"/>
           </a:p>
@@ -3237,7 +3237,7 @@
             <a:fld id="{A22FE722-38C7-4231-8BB5-7A27D4E5977D}" type="datetimeFigureOut">
               <a:rPr lang="ko-KR" altLang="en-US" smtClean="0"/>
               <a:pPr/>
-              <a:t>2021-04-26</a:t>
+              <a:t>2021-04-29</a:t>
             </a:fld>
             <a:endParaRPr lang="ko-KR" altLang="en-US" dirty="0"/>
           </a:p>
@@ -3404,7 +3404,7 @@
             <a:fld id="{A22FE722-38C7-4231-8BB5-7A27D4E5977D}" type="datetimeFigureOut">
               <a:rPr lang="ko-KR" altLang="en-US" smtClean="0"/>
               <a:pPr/>
-              <a:t>2021-04-26</a:t>
+              <a:t>2021-04-29</a:t>
             </a:fld>
             <a:endParaRPr lang="ko-KR" altLang="en-US" dirty="0"/>
           </a:p>
@@ -3647,7 +3647,7 @@
             <a:fld id="{A22FE722-38C7-4231-8BB5-7A27D4E5977D}" type="datetimeFigureOut">
               <a:rPr lang="ko-KR" altLang="en-US" smtClean="0"/>
               <a:pPr/>
-              <a:t>2021-04-26</a:t>
+              <a:t>2021-04-29</a:t>
             </a:fld>
             <a:endParaRPr lang="ko-KR" altLang="en-US" dirty="0"/>
           </a:p>
@@ -3932,7 +3932,7 @@
             <a:fld id="{A22FE722-38C7-4231-8BB5-7A27D4E5977D}" type="datetimeFigureOut">
               <a:rPr lang="ko-KR" altLang="en-US" smtClean="0"/>
               <a:pPr/>
-              <a:t>2021-04-26</a:t>
+              <a:t>2021-04-29</a:t>
             </a:fld>
             <a:endParaRPr lang="ko-KR" altLang="en-US" dirty="0"/>
           </a:p>
@@ -4351,7 +4351,7 @@
             <a:fld id="{A22FE722-38C7-4231-8BB5-7A27D4E5977D}" type="datetimeFigureOut">
               <a:rPr lang="ko-KR" altLang="en-US" smtClean="0"/>
               <a:pPr/>
-              <a:t>2021-04-26</a:t>
+              <a:t>2021-04-29</a:t>
             </a:fld>
             <a:endParaRPr lang="ko-KR" altLang="en-US" dirty="0"/>
           </a:p>
@@ -4466,7 +4466,7 @@
             <a:fld id="{A22FE722-38C7-4231-8BB5-7A27D4E5977D}" type="datetimeFigureOut">
               <a:rPr lang="ko-KR" altLang="en-US" smtClean="0"/>
               <a:pPr/>
-              <a:t>2021-04-26</a:t>
+              <a:t>2021-04-29</a:t>
             </a:fld>
             <a:endParaRPr lang="ko-KR" altLang="en-US" dirty="0"/>
           </a:p>
@@ -4558,7 +4558,7 @@
             <a:fld id="{A22FE722-38C7-4231-8BB5-7A27D4E5977D}" type="datetimeFigureOut">
               <a:rPr lang="ko-KR" altLang="en-US" smtClean="0"/>
               <a:pPr/>
-              <a:t>2021-04-26</a:t>
+              <a:t>2021-04-29</a:t>
             </a:fld>
             <a:endParaRPr lang="ko-KR" altLang="en-US" dirty="0"/>
           </a:p>
@@ -4839,7 +4839,7 @@
             <a:fld id="{A22FE722-38C7-4231-8BB5-7A27D4E5977D}" type="datetimeFigureOut">
               <a:rPr lang="ko-KR" altLang="en-US" smtClean="0"/>
               <a:pPr/>
-              <a:t>2021-04-26</a:t>
+              <a:t>2021-04-29</a:t>
             </a:fld>
             <a:endParaRPr lang="ko-KR" altLang="en-US" dirty="0"/>
           </a:p>
@@ -5089,7 +5089,7 @@
             <a:fld id="{A22FE722-38C7-4231-8BB5-7A27D4E5977D}" type="datetimeFigureOut">
               <a:rPr lang="ko-KR" altLang="en-US" smtClean="0"/>
               <a:pPr/>
-              <a:t>2021-04-26</a:t>
+              <a:t>2021-04-29</a:t>
             </a:fld>
             <a:endParaRPr lang="ko-KR" altLang="en-US" dirty="0"/>
           </a:p>
@@ -5299,7 +5299,7 @@
             <a:fld id="{A22FE722-38C7-4231-8BB5-7A27D4E5977D}" type="datetimeFigureOut">
               <a:rPr lang="ko-KR" altLang="en-US" smtClean="0"/>
               <a:pPr/>
-              <a:t>2021-04-26</a:t>
+              <a:t>2021-04-29</a:t>
             </a:fld>
             <a:endParaRPr lang="ko-KR" altLang="en-US" dirty="0"/>
           </a:p>
@@ -6224,8 +6224,8 @@
         </p:blipFill>
         <p:spPr>
           <a:xfrm>
-            <a:off x="2942534" y="1807417"/>
-            <a:ext cx="4398679" cy="2665699"/>
+            <a:off x="5614379" y="4565030"/>
+            <a:ext cx="2997079" cy="1816298"/>
           </a:xfrm>
           <a:prstGeom prst="rect">
             <a:avLst/>
@@ -6653,286 +6653,6 @@
           </a:p>
         </p:txBody>
       </p:sp>
-      <p:sp>
-        <p:nvSpPr>
-          <p:cNvPr id="16" name="직사각형 15"/>
-          <p:cNvSpPr/>
-          <p:nvPr/>
-        </p:nvSpPr>
-        <p:spPr>
-          <a:xfrm>
-            <a:off x="10624517" y="2411934"/>
-            <a:ext cx="488432" cy="216827"/>
-          </a:xfrm>
-          <a:prstGeom prst="rect">
-            <a:avLst/>
-          </a:prstGeom>
-          <a:noFill/>
-          <a:ln>
-            <a:solidFill>
-              <a:srgbClr val="FF0000"/>
-            </a:solidFill>
-          </a:ln>
-        </p:spPr>
-        <p:style>
-          <a:lnRef idx="2">
-            <a:schemeClr val="accent1">
-              <a:shade val="50000"/>
-            </a:schemeClr>
-          </a:lnRef>
-          <a:fillRef idx="1">
-            <a:schemeClr val="accent1"/>
-          </a:fillRef>
-          <a:effectRef idx="0">
-            <a:schemeClr val="accent1"/>
-          </a:effectRef>
-          <a:fontRef idx="minor">
-            <a:schemeClr val="lt1"/>
-          </a:fontRef>
-        </p:style>
-        <p:txBody>
-          <a:bodyPr rot="0" spcFirstLastPara="0" vertOverflow="overflow" horzOverflow="overflow" vert="horz" wrap="square" lIns="91440" tIns="45720" rIns="91440" bIns="45720" numCol="1" spcCol="0" rtlCol="0" fromWordArt="0" anchor="ctr" anchorCtr="0" forceAA="0" compatLnSpc="1">
-            <a:prstTxWarp prst="textNoShape">
-              <a:avLst/>
-            </a:prstTxWarp>
-            <a:noAutofit/>
-          </a:bodyPr>
-          <a:lstStyle/>
-          <a:p>
-            <a:pPr algn="ctr"/>
-            <a:endParaRPr lang="ko-KR" altLang="en-US" sz="1400" dirty="0">
-              <a:solidFill>
-                <a:schemeClr val="accent1">
-                  <a:lumMod val="75000"/>
-                </a:schemeClr>
-              </a:solidFill>
-            </a:endParaRPr>
-          </a:p>
-        </p:txBody>
-      </p:sp>
-      <p:cxnSp>
-        <p:nvCxnSpPr>
-          <p:cNvPr id="14" name="꺾인 연결선 13"/>
-          <p:cNvCxnSpPr/>
-          <p:nvPr/>
-        </p:nvCxnSpPr>
-        <p:spPr>
-          <a:xfrm>
-            <a:off x="11932439" y="1467995"/>
-            <a:ext cx="936104" cy="426793"/>
-          </a:xfrm>
-          <a:prstGeom prst="bentConnector3">
-            <a:avLst>
-              <a:gd name="adj1" fmla="val 101605"/>
-            </a:avLst>
-          </a:prstGeom>
-          <a:ln w="19050">
-            <a:tailEnd type="triangle"/>
-          </a:ln>
-        </p:spPr>
-        <p:style>
-          <a:lnRef idx="1">
-            <a:schemeClr val="accent1"/>
-          </a:lnRef>
-          <a:fillRef idx="0">
-            <a:schemeClr val="accent1"/>
-          </a:fillRef>
-          <a:effectRef idx="0">
-            <a:schemeClr val="accent1"/>
-          </a:effectRef>
-          <a:fontRef idx="minor">
-            <a:schemeClr val="tx1"/>
-          </a:fontRef>
-        </p:style>
-      </p:cxnSp>
-      <p:sp>
-        <p:nvSpPr>
-          <p:cNvPr id="24" name="직사각형 23"/>
-          <p:cNvSpPr/>
-          <p:nvPr/>
-        </p:nvSpPr>
-        <p:spPr>
-          <a:xfrm>
-            <a:off x="9146055" y="3204082"/>
-            <a:ext cx="1199434" cy="216024"/>
-          </a:xfrm>
-          <a:prstGeom prst="rect">
-            <a:avLst/>
-          </a:prstGeom>
-          <a:noFill/>
-        </p:spPr>
-        <p:style>
-          <a:lnRef idx="2">
-            <a:schemeClr val="accent1">
-              <a:shade val="50000"/>
-            </a:schemeClr>
-          </a:lnRef>
-          <a:fillRef idx="1">
-            <a:schemeClr val="accent1"/>
-          </a:fillRef>
-          <a:effectRef idx="0">
-            <a:schemeClr val="accent1"/>
-          </a:effectRef>
-          <a:fontRef idx="minor">
-            <a:schemeClr val="lt1"/>
-          </a:fontRef>
-        </p:style>
-        <p:txBody>
-          <a:bodyPr rtlCol="0" anchor="ctr"/>
-          <a:lstStyle/>
-          <a:p>
-            <a:pPr algn="ctr"/>
-            <a:endParaRPr lang="ko-KR" altLang="en-US" dirty="0"/>
-          </a:p>
-        </p:txBody>
-      </p:sp>
-      <p:cxnSp>
-        <p:nvCxnSpPr>
-          <p:cNvPr id="27" name="꺾인 연결선 26"/>
-          <p:cNvCxnSpPr/>
-          <p:nvPr/>
-        </p:nvCxnSpPr>
-        <p:spPr>
-          <a:xfrm flipV="1">
-            <a:off x="10827618" y="3766996"/>
-            <a:ext cx="1608877" cy="239176"/>
-          </a:xfrm>
-          <a:prstGeom prst="bentConnector2">
-            <a:avLst/>
-          </a:prstGeom>
-          <a:ln w="28575">
-            <a:tailEnd type="triangle"/>
-          </a:ln>
-        </p:spPr>
-        <p:style>
-          <a:lnRef idx="1">
-            <a:schemeClr val="accent1"/>
-          </a:lnRef>
-          <a:fillRef idx="0">
-            <a:schemeClr val="accent1"/>
-          </a:fillRef>
-          <a:effectRef idx="0">
-            <a:schemeClr val="accent1"/>
-          </a:effectRef>
-          <a:fontRef idx="minor">
-            <a:schemeClr val="tx1"/>
-          </a:fontRef>
-        </p:style>
-      </p:cxnSp>
-      <p:sp>
-        <p:nvSpPr>
-          <p:cNvPr id="17" name="직사각형 16"/>
-          <p:cNvSpPr/>
-          <p:nvPr/>
-        </p:nvSpPr>
-        <p:spPr>
-          <a:xfrm>
-            <a:off x="-3259030" y="1840403"/>
-            <a:ext cx="717513" cy="271151"/>
-          </a:xfrm>
-          <a:prstGeom prst="rect">
-            <a:avLst/>
-          </a:prstGeom>
-          <a:noFill/>
-          <a:ln>
-            <a:solidFill>
-              <a:srgbClr val="FF0000"/>
-            </a:solidFill>
-          </a:ln>
-        </p:spPr>
-        <p:style>
-          <a:lnRef idx="2">
-            <a:schemeClr val="accent1">
-              <a:shade val="50000"/>
-            </a:schemeClr>
-          </a:lnRef>
-          <a:fillRef idx="1">
-            <a:schemeClr val="accent1"/>
-          </a:fillRef>
-          <a:effectRef idx="0">
-            <a:schemeClr val="accent1"/>
-          </a:effectRef>
-          <a:fontRef idx="minor">
-            <a:schemeClr val="lt1"/>
-          </a:fontRef>
-        </p:style>
-        <p:txBody>
-          <a:bodyPr rot="0" spcFirstLastPara="0" vertOverflow="overflow" horzOverflow="overflow" vert="horz" wrap="square" lIns="91440" tIns="45720" rIns="91440" bIns="45720" numCol="1" spcCol="0" rtlCol="0" fromWordArt="0" anchor="ctr" anchorCtr="0" forceAA="0" compatLnSpc="1">
-            <a:prstTxWarp prst="textNoShape">
-              <a:avLst/>
-            </a:prstTxWarp>
-            <a:noAutofit/>
-          </a:bodyPr>
-          <a:lstStyle/>
-          <a:p>
-            <a:pPr algn="ctr"/>
-            <a:endParaRPr lang="ko-KR" altLang="en-US" sz="1400" dirty="0">
-              <a:solidFill>
-                <a:schemeClr val="accent1">
-                  <a:lumMod val="75000"/>
-                </a:schemeClr>
-              </a:solidFill>
-            </a:endParaRPr>
-          </a:p>
-        </p:txBody>
-      </p:sp>
-      <p:sp>
-        <p:nvSpPr>
-          <p:cNvPr id="18" name="직사각형 17"/>
-          <p:cNvSpPr/>
-          <p:nvPr/>
-        </p:nvSpPr>
-        <p:spPr>
-          <a:xfrm>
-            <a:off x="-3403045" y="2165245"/>
-            <a:ext cx="456600" cy="264825"/>
-          </a:xfrm>
-          <a:prstGeom prst="rect">
-            <a:avLst/>
-          </a:prstGeom>
-          <a:noFill/>
-          <a:ln>
-            <a:solidFill>
-              <a:srgbClr val="FF0000"/>
-            </a:solidFill>
-          </a:ln>
-        </p:spPr>
-        <p:style>
-          <a:lnRef idx="2">
-            <a:schemeClr val="accent1">
-              <a:shade val="50000"/>
-            </a:schemeClr>
-          </a:lnRef>
-          <a:fillRef idx="1">
-            <a:schemeClr val="accent1"/>
-          </a:fillRef>
-          <a:effectRef idx="0">
-            <a:schemeClr val="accent1"/>
-          </a:effectRef>
-          <a:fontRef idx="minor">
-            <a:schemeClr val="lt1"/>
-          </a:fontRef>
-        </p:style>
-        <p:txBody>
-          <a:bodyPr rot="0" spcFirstLastPara="0" vertOverflow="overflow" horzOverflow="overflow" vert="horz" wrap="square" lIns="91440" tIns="45720" rIns="91440" bIns="45720" numCol="1" spcCol="0" rtlCol="0" fromWordArt="0" anchor="ctr" anchorCtr="0" forceAA="0" compatLnSpc="1">
-            <a:prstTxWarp prst="textNoShape">
-              <a:avLst/>
-            </a:prstTxWarp>
-            <a:noAutofit/>
-          </a:bodyPr>
-          <a:lstStyle/>
-          <a:p>
-            <a:pPr algn="ctr"/>
-            <a:endParaRPr lang="ko-KR" altLang="en-US" sz="1400" dirty="0">
-              <a:solidFill>
-                <a:schemeClr val="accent1">
-                  <a:lumMod val="75000"/>
-                </a:schemeClr>
-              </a:solidFill>
-            </a:endParaRPr>
-          </a:p>
-        </p:txBody>
-      </p:sp>
       <p:grpSp>
         <p:nvGrpSpPr>
           <p:cNvPr id="22" name="그룹 21"/>
@@ -7051,63 +6771,6 @@
           </p:txBody>
         </p:sp>
       </p:grpSp>
-      <p:sp>
-        <p:nvSpPr>
-          <p:cNvPr id="26" name="직사각형 25"/>
-          <p:cNvSpPr/>
-          <p:nvPr/>
-        </p:nvSpPr>
-        <p:spPr>
-          <a:xfrm>
-            <a:off x="-3475405" y="633997"/>
-            <a:ext cx="1539124" cy="736869"/>
-          </a:xfrm>
-          <a:prstGeom prst="rect">
-            <a:avLst/>
-          </a:prstGeom>
-          <a:noFill/>
-          <a:ln>
-            <a:solidFill>
-              <a:srgbClr val="FF0000"/>
-            </a:solidFill>
-          </a:ln>
-        </p:spPr>
-        <p:style>
-          <a:lnRef idx="2">
-            <a:schemeClr val="accent1">
-              <a:shade val="50000"/>
-            </a:schemeClr>
-          </a:lnRef>
-          <a:fillRef idx="1">
-            <a:schemeClr val="accent1"/>
-          </a:fillRef>
-          <a:effectRef idx="0">
-            <a:schemeClr val="accent1"/>
-          </a:effectRef>
-          <a:fontRef idx="minor">
-            <a:schemeClr val="lt1"/>
-          </a:fontRef>
-        </p:style>
-        <p:txBody>
-          <a:bodyPr rot="0" spcFirstLastPara="0" vertOverflow="overflow" horzOverflow="overflow" vert="horz" wrap="square" lIns="91440" tIns="45720" rIns="91440" bIns="45720" numCol="1" spcCol="0" rtlCol="0" fromWordArt="0" anchor="ctr" anchorCtr="0" forceAA="0" compatLnSpc="1">
-            <a:prstTxWarp prst="textNoShape">
-              <a:avLst/>
-            </a:prstTxWarp>
-            <a:noAutofit/>
-          </a:bodyPr>
-          <a:lstStyle/>
-          <a:p>
-            <a:pPr algn="ctr"/>
-            <a:endParaRPr lang="ko-KR" altLang="en-US" sz="1400" dirty="0">
-              <a:solidFill>
-                <a:schemeClr val="accent1">
-                  <a:lumMod val="75000"/>
-                </a:schemeClr>
-              </a:solidFill>
-            </a:endParaRPr>
-          </a:p>
-        </p:txBody>
-      </p:sp>
       <p:pic>
         <p:nvPicPr>
           <p:cNvPr id="8" name="그림 7"/>
@@ -7367,63 +7030,6 @@
           </p:txBody>
         </p:sp>
       </p:grpSp>
-      <p:sp>
-        <p:nvSpPr>
-          <p:cNvPr id="35" name="직사각형 34"/>
-          <p:cNvSpPr/>
-          <p:nvPr/>
-        </p:nvSpPr>
-        <p:spPr>
-          <a:xfrm>
-            <a:off x="10314334" y="4224580"/>
-            <a:ext cx="488432" cy="216827"/>
-          </a:xfrm>
-          <a:prstGeom prst="rect">
-            <a:avLst/>
-          </a:prstGeom>
-          <a:noFill/>
-          <a:ln>
-            <a:solidFill>
-              <a:srgbClr val="FF0000"/>
-            </a:solidFill>
-          </a:ln>
-        </p:spPr>
-        <p:style>
-          <a:lnRef idx="2">
-            <a:schemeClr val="accent1">
-              <a:shade val="50000"/>
-            </a:schemeClr>
-          </a:lnRef>
-          <a:fillRef idx="1">
-            <a:schemeClr val="accent1"/>
-          </a:fillRef>
-          <a:effectRef idx="0">
-            <a:schemeClr val="accent1"/>
-          </a:effectRef>
-          <a:fontRef idx="minor">
-            <a:schemeClr val="lt1"/>
-          </a:fontRef>
-        </p:style>
-        <p:txBody>
-          <a:bodyPr rot="0" spcFirstLastPara="0" vertOverflow="overflow" horzOverflow="overflow" vert="horz" wrap="square" lIns="91440" tIns="45720" rIns="91440" bIns="45720" numCol="1" spcCol="0" rtlCol="0" fromWordArt="0" anchor="ctr" anchorCtr="0" forceAA="0" compatLnSpc="1">
-            <a:prstTxWarp prst="textNoShape">
-              <a:avLst/>
-            </a:prstTxWarp>
-            <a:noAutofit/>
-          </a:bodyPr>
-          <a:lstStyle/>
-          <a:p>
-            <a:pPr algn="ctr"/>
-            <a:endParaRPr lang="ko-KR" altLang="en-US" sz="1400" dirty="0">
-              <a:solidFill>
-                <a:schemeClr val="accent1">
-                  <a:lumMod val="75000"/>
-                </a:schemeClr>
-              </a:solidFill>
-            </a:endParaRPr>
-          </a:p>
-        </p:txBody>
-      </p:sp>
       <p:pic>
         <p:nvPicPr>
           <p:cNvPr id="39" name="그림 38"/>
@@ -7528,63 +7134,6 @@
           </a:prstGeom>
         </p:spPr>
       </p:pic>
-      <p:sp>
-        <p:nvSpPr>
-          <p:cNvPr id="44" name="직사각형 43"/>
-          <p:cNvSpPr/>
-          <p:nvPr/>
-        </p:nvSpPr>
-        <p:spPr>
-          <a:xfrm>
-            <a:off x="10532701" y="2933561"/>
-            <a:ext cx="488432" cy="216827"/>
-          </a:xfrm>
-          <a:prstGeom prst="rect">
-            <a:avLst/>
-          </a:prstGeom>
-          <a:noFill/>
-          <a:ln>
-            <a:solidFill>
-              <a:srgbClr val="FF0000"/>
-            </a:solidFill>
-          </a:ln>
-        </p:spPr>
-        <p:style>
-          <a:lnRef idx="2">
-            <a:schemeClr val="accent1">
-              <a:shade val="50000"/>
-            </a:schemeClr>
-          </a:lnRef>
-          <a:fillRef idx="1">
-            <a:schemeClr val="accent1"/>
-          </a:fillRef>
-          <a:effectRef idx="0">
-            <a:schemeClr val="accent1"/>
-          </a:effectRef>
-          <a:fontRef idx="minor">
-            <a:schemeClr val="lt1"/>
-          </a:fontRef>
-        </p:style>
-        <p:txBody>
-          <a:bodyPr rot="0" spcFirstLastPara="0" vertOverflow="overflow" horzOverflow="overflow" vert="horz" wrap="square" lIns="91440" tIns="45720" rIns="91440" bIns="45720" numCol="1" spcCol="0" rtlCol="0" fromWordArt="0" anchor="ctr" anchorCtr="0" forceAA="0" compatLnSpc="1">
-            <a:prstTxWarp prst="textNoShape">
-              <a:avLst/>
-            </a:prstTxWarp>
-            <a:noAutofit/>
-          </a:bodyPr>
-          <a:lstStyle/>
-          <a:p>
-            <a:pPr algn="ctr"/>
-            <a:endParaRPr lang="ko-KR" altLang="en-US" sz="1400" dirty="0">
-              <a:solidFill>
-                <a:schemeClr val="accent1">
-                  <a:lumMod val="75000"/>
-                </a:schemeClr>
-              </a:solidFill>
-            </a:endParaRPr>
-          </a:p>
-        </p:txBody>
-      </p:sp>
       <p:pic>
         <p:nvPicPr>
           <p:cNvPr id="47" name="그림 46"/>
@@ -7633,63 +7182,6 @@
           </a:prstGeom>
         </p:spPr>
       </p:pic>
-      <p:sp>
-        <p:nvSpPr>
-          <p:cNvPr id="49" name="직사각형 48"/>
-          <p:cNvSpPr/>
-          <p:nvPr/>
-        </p:nvSpPr>
-        <p:spPr>
-          <a:xfrm>
-            <a:off x="10532701" y="5093468"/>
-            <a:ext cx="488432" cy="216827"/>
-          </a:xfrm>
-          <a:prstGeom prst="rect">
-            <a:avLst/>
-          </a:prstGeom>
-          <a:noFill/>
-          <a:ln>
-            <a:solidFill>
-              <a:srgbClr val="FF0000"/>
-            </a:solidFill>
-          </a:ln>
-        </p:spPr>
-        <p:style>
-          <a:lnRef idx="2">
-            <a:schemeClr val="accent1">
-              <a:shade val="50000"/>
-            </a:schemeClr>
-          </a:lnRef>
-          <a:fillRef idx="1">
-            <a:schemeClr val="accent1"/>
-          </a:fillRef>
-          <a:effectRef idx="0">
-            <a:schemeClr val="accent1"/>
-          </a:effectRef>
-          <a:fontRef idx="minor">
-            <a:schemeClr val="lt1"/>
-          </a:fontRef>
-        </p:style>
-        <p:txBody>
-          <a:bodyPr rot="0" spcFirstLastPara="0" vertOverflow="overflow" horzOverflow="overflow" vert="horz" wrap="square" lIns="91440" tIns="45720" rIns="91440" bIns="45720" numCol="1" spcCol="0" rtlCol="0" fromWordArt="0" anchor="ctr" anchorCtr="0" forceAA="0" compatLnSpc="1">
-            <a:prstTxWarp prst="textNoShape">
-              <a:avLst/>
-            </a:prstTxWarp>
-            <a:noAutofit/>
-          </a:bodyPr>
-          <a:lstStyle/>
-          <a:p>
-            <a:pPr algn="ctr"/>
-            <a:endParaRPr lang="ko-KR" altLang="en-US" sz="1400" dirty="0">
-              <a:solidFill>
-                <a:schemeClr val="accent1">
-                  <a:lumMod val="75000"/>
-                </a:schemeClr>
-              </a:solidFill>
-            </a:endParaRPr>
-          </a:p>
-        </p:txBody>
-      </p:sp>
       <p:sp>
         <p:nvSpPr>
           <p:cNvPr id="50" name="직사각형 49"/>
@@ -8579,172 +8071,6 @@
       </p:sp>
       <p:sp>
         <p:nvSpPr>
-          <p:cNvPr id="16" name="직사각형 15"/>
-          <p:cNvSpPr/>
-          <p:nvPr/>
-        </p:nvSpPr>
-        <p:spPr>
-          <a:xfrm>
-            <a:off x="9811491" y="2031586"/>
-            <a:ext cx="488432" cy="216827"/>
-          </a:xfrm>
-          <a:prstGeom prst="rect">
-            <a:avLst/>
-          </a:prstGeom>
-          <a:noFill/>
-          <a:ln>
-            <a:solidFill>
-              <a:srgbClr val="FF0000"/>
-            </a:solidFill>
-          </a:ln>
-        </p:spPr>
-        <p:style>
-          <a:lnRef idx="2">
-            <a:schemeClr val="accent1">
-              <a:shade val="50000"/>
-            </a:schemeClr>
-          </a:lnRef>
-          <a:fillRef idx="1">
-            <a:schemeClr val="accent1"/>
-          </a:fillRef>
-          <a:effectRef idx="0">
-            <a:schemeClr val="accent1"/>
-          </a:effectRef>
-          <a:fontRef idx="minor">
-            <a:schemeClr val="lt1"/>
-          </a:fontRef>
-        </p:style>
-        <p:txBody>
-          <a:bodyPr rot="0" spcFirstLastPara="0" vertOverflow="overflow" horzOverflow="overflow" vert="horz" wrap="square" lIns="91440" tIns="45720" rIns="91440" bIns="45720" numCol="1" spcCol="0" rtlCol="0" fromWordArt="0" anchor="ctr" anchorCtr="0" forceAA="0" compatLnSpc="1">
-            <a:prstTxWarp prst="textNoShape">
-              <a:avLst/>
-            </a:prstTxWarp>
-            <a:noAutofit/>
-          </a:bodyPr>
-          <a:lstStyle/>
-          <a:p>
-            <a:pPr algn="ctr"/>
-            <a:endParaRPr lang="ko-KR" altLang="en-US" sz="1400" dirty="0">
-              <a:solidFill>
-                <a:schemeClr val="accent1">
-                  <a:lumMod val="75000"/>
-                </a:schemeClr>
-              </a:solidFill>
-            </a:endParaRPr>
-          </a:p>
-        </p:txBody>
-      </p:sp>
-      <p:cxnSp>
-        <p:nvCxnSpPr>
-          <p:cNvPr id="14" name="꺾인 연결선 13"/>
-          <p:cNvCxnSpPr/>
-          <p:nvPr/>
-        </p:nvCxnSpPr>
-        <p:spPr>
-          <a:xfrm>
-            <a:off x="11932439" y="1467995"/>
-            <a:ext cx="936104" cy="426793"/>
-          </a:xfrm>
-          <a:prstGeom prst="bentConnector3">
-            <a:avLst>
-              <a:gd name="adj1" fmla="val 101605"/>
-            </a:avLst>
-          </a:prstGeom>
-          <a:ln w="19050">
-            <a:tailEnd type="triangle"/>
-          </a:ln>
-        </p:spPr>
-        <p:style>
-          <a:lnRef idx="1">
-            <a:schemeClr val="accent1"/>
-          </a:lnRef>
-          <a:fillRef idx="0">
-            <a:schemeClr val="accent1"/>
-          </a:fillRef>
-          <a:effectRef idx="0">
-            <a:schemeClr val="accent1"/>
-          </a:effectRef>
-          <a:fontRef idx="minor">
-            <a:schemeClr val="tx1"/>
-          </a:fontRef>
-        </p:style>
-      </p:cxnSp>
-      <p:sp>
-        <p:nvSpPr>
-          <p:cNvPr id="24" name="직사각형 23"/>
-          <p:cNvSpPr/>
-          <p:nvPr/>
-        </p:nvSpPr>
-        <p:spPr>
-          <a:xfrm>
-            <a:off x="9628184" y="3905848"/>
-            <a:ext cx="1199434" cy="216024"/>
-          </a:xfrm>
-          <a:prstGeom prst="rect">
-            <a:avLst/>
-          </a:prstGeom>
-          <a:noFill/>
-        </p:spPr>
-        <p:style>
-          <a:lnRef idx="2">
-            <a:schemeClr val="accent1">
-              <a:shade val="50000"/>
-            </a:schemeClr>
-          </a:lnRef>
-          <a:fillRef idx="1">
-            <a:schemeClr val="accent1"/>
-          </a:fillRef>
-          <a:effectRef idx="0">
-            <a:schemeClr val="accent1"/>
-          </a:effectRef>
-          <a:fontRef idx="minor">
-            <a:schemeClr val="lt1"/>
-          </a:fontRef>
-        </p:style>
-        <p:txBody>
-          <a:bodyPr rtlCol="0" anchor="ctr"/>
-          <a:lstStyle/>
-          <a:p>
-            <a:pPr algn="ctr"/>
-            <a:endParaRPr lang="ko-KR" altLang="en-US" dirty="0"/>
-          </a:p>
-        </p:txBody>
-      </p:sp>
-      <p:cxnSp>
-        <p:nvCxnSpPr>
-          <p:cNvPr id="27" name="꺾인 연결선 26"/>
-          <p:cNvCxnSpPr/>
-          <p:nvPr/>
-        </p:nvCxnSpPr>
-        <p:spPr>
-          <a:xfrm flipV="1">
-            <a:off x="10827618" y="3766996"/>
-            <a:ext cx="1608877" cy="239176"/>
-          </a:xfrm>
-          <a:prstGeom prst="bentConnector2">
-            <a:avLst/>
-          </a:prstGeom>
-          <a:ln w="28575">
-            <a:tailEnd type="triangle"/>
-          </a:ln>
-        </p:spPr>
-        <p:style>
-          <a:lnRef idx="1">
-            <a:schemeClr val="accent1"/>
-          </a:lnRef>
-          <a:fillRef idx="0">
-            <a:schemeClr val="accent1"/>
-          </a:fillRef>
-          <a:effectRef idx="0">
-            <a:schemeClr val="accent1"/>
-          </a:effectRef>
-          <a:fontRef idx="minor">
-            <a:schemeClr val="tx1"/>
-          </a:fontRef>
-        </p:style>
-      </p:cxnSp>
-      <p:sp>
-        <p:nvSpPr>
           <p:cNvPr id="22" name="직사각형 21"/>
           <p:cNvSpPr/>
           <p:nvPr/>
@@ -9056,63 +8382,6 @@
           </p:txBody>
         </p:sp>
       </p:grpSp>
-      <p:sp>
-        <p:nvSpPr>
-          <p:cNvPr id="38" name="직사각형 37"/>
-          <p:cNvSpPr/>
-          <p:nvPr/>
-        </p:nvSpPr>
-        <p:spPr>
-          <a:xfrm>
-            <a:off x="9963891" y="2183986"/>
-            <a:ext cx="488432" cy="216827"/>
-          </a:xfrm>
-          <a:prstGeom prst="rect">
-            <a:avLst/>
-          </a:prstGeom>
-          <a:noFill/>
-          <a:ln>
-            <a:solidFill>
-              <a:srgbClr val="FF0000"/>
-            </a:solidFill>
-          </a:ln>
-        </p:spPr>
-        <p:style>
-          <a:lnRef idx="2">
-            <a:schemeClr val="accent1">
-              <a:shade val="50000"/>
-            </a:schemeClr>
-          </a:lnRef>
-          <a:fillRef idx="1">
-            <a:schemeClr val="accent1"/>
-          </a:fillRef>
-          <a:effectRef idx="0">
-            <a:schemeClr val="accent1"/>
-          </a:effectRef>
-          <a:fontRef idx="minor">
-            <a:schemeClr val="lt1"/>
-          </a:fontRef>
-        </p:style>
-        <p:txBody>
-          <a:bodyPr rot="0" spcFirstLastPara="0" vertOverflow="overflow" horzOverflow="overflow" vert="horz" wrap="square" lIns="91440" tIns="45720" rIns="91440" bIns="45720" numCol="1" spcCol="0" rtlCol="0" fromWordArt="0" anchor="ctr" anchorCtr="0" forceAA="0" compatLnSpc="1">
-            <a:prstTxWarp prst="textNoShape">
-              <a:avLst/>
-            </a:prstTxWarp>
-            <a:noAutofit/>
-          </a:bodyPr>
-          <a:lstStyle/>
-          <a:p>
-            <a:pPr algn="ctr"/>
-            <a:endParaRPr lang="ko-KR" altLang="en-US" sz="1400" dirty="0">
-              <a:solidFill>
-                <a:schemeClr val="accent1">
-                  <a:lumMod val="75000"/>
-                </a:schemeClr>
-              </a:solidFill>
-            </a:endParaRPr>
-          </a:p>
-        </p:txBody>
-      </p:sp>
       <p:grpSp>
         <p:nvGrpSpPr>
           <p:cNvPr id="10" name="그룹 9"/>
@@ -9266,120 +8535,6 @@
           </p:txBody>
         </p:sp>
       </p:grpSp>
-      <p:sp>
-        <p:nvSpPr>
-          <p:cNvPr id="41" name="직사각형 40"/>
-          <p:cNvSpPr/>
-          <p:nvPr/>
-        </p:nvSpPr>
-        <p:spPr>
-          <a:xfrm>
-            <a:off x="10085014" y="2387265"/>
-            <a:ext cx="488432" cy="216827"/>
-          </a:xfrm>
-          <a:prstGeom prst="rect">
-            <a:avLst/>
-          </a:prstGeom>
-          <a:noFill/>
-          <a:ln>
-            <a:solidFill>
-              <a:srgbClr val="FF0000"/>
-            </a:solidFill>
-          </a:ln>
-        </p:spPr>
-        <p:style>
-          <a:lnRef idx="2">
-            <a:schemeClr val="accent1">
-              <a:shade val="50000"/>
-            </a:schemeClr>
-          </a:lnRef>
-          <a:fillRef idx="1">
-            <a:schemeClr val="accent1"/>
-          </a:fillRef>
-          <a:effectRef idx="0">
-            <a:schemeClr val="accent1"/>
-          </a:effectRef>
-          <a:fontRef idx="minor">
-            <a:schemeClr val="lt1"/>
-          </a:fontRef>
-        </p:style>
-        <p:txBody>
-          <a:bodyPr rot="0" spcFirstLastPara="0" vertOverflow="overflow" horzOverflow="overflow" vert="horz" wrap="square" lIns="91440" tIns="45720" rIns="91440" bIns="45720" numCol="1" spcCol="0" rtlCol="0" fromWordArt="0" anchor="ctr" anchorCtr="0" forceAA="0" compatLnSpc="1">
-            <a:prstTxWarp prst="textNoShape">
-              <a:avLst/>
-            </a:prstTxWarp>
-            <a:noAutofit/>
-          </a:bodyPr>
-          <a:lstStyle/>
-          <a:p>
-            <a:pPr algn="ctr"/>
-            <a:endParaRPr lang="ko-KR" altLang="en-US" sz="1400" dirty="0">
-              <a:solidFill>
-                <a:schemeClr val="accent1">
-                  <a:lumMod val="75000"/>
-                </a:schemeClr>
-              </a:solidFill>
-            </a:endParaRPr>
-          </a:p>
-        </p:txBody>
-      </p:sp>
-      <p:sp>
-        <p:nvSpPr>
-          <p:cNvPr id="42" name="직사각형 41"/>
-          <p:cNvSpPr/>
-          <p:nvPr/>
-        </p:nvSpPr>
-        <p:spPr>
-          <a:xfrm>
-            <a:off x="10237414" y="2539665"/>
-            <a:ext cx="488432" cy="216827"/>
-          </a:xfrm>
-          <a:prstGeom prst="rect">
-            <a:avLst/>
-          </a:prstGeom>
-          <a:noFill/>
-          <a:ln>
-            <a:solidFill>
-              <a:srgbClr val="FF0000"/>
-            </a:solidFill>
-          </a:ln>
-        </p:spPr>
-        <p:style>
-          <a:lnRef idx="2">
-            <a:schemeClr val="accent1">
-              <a:shade val="50000"/>
-            </a:schemeClr>
-          </a:lnRef>
-          <a:fillRef idx="1">
-            <a:schemeClr val="accent1"/>
-          </a:fillRef>
-          <a:effectRef idx="0">
-            <a:schemeClr val="accent1"/>
-          </a:effectRef>
-          <a:fontRef idx="minor">
-            <a:schemeClr val="lt1"/>
-          </a:fontRef>
-        </p:style>
-        <p:txBody>
-          <a:bodyPr rot="0" spcFirstLastPara="0" vertOverflow="overflow" horzOverflow="overflow" vert="horz" wrap="square" lIns="91440" tIns="45720" rIns="91440" bIns="45720" numCol="1" spcCol="0" rtlCol="0" fromWordArt="0" anchor="ctr" anchorCtr="0" forceAA="0" compatLnSpc="1">
-            <a:prstTxWarp prst="textNoShape">
-              <a:avLst/>
-            </a:prstTxWarp>
-            <a:noAutofit/>
-          </a:bodyPr>
-          <a:lstStyle/>
-          <a:p>
-            <a:pPr algn="ctr"/>
-            <a:endParaRPr lang="ko-KR" altLang="en-US" sz="1400" dirty="0">
-              <a:solidFill>
-                <a:schemeClr val="accent1">
-                  <a:lumMod val="75000"/>
-                </a:schemeClr>
-              </a:solidFill>
-            </a:endParaRPr>
-          </a:p>
-        </p:txBody>
-      </p:sp>
       <p:grpSp>
         <p:nvGrpSpPr>
           <p:cNvPr id="13" name="그룹 12"/>
@@ -10262,115 +9417,6 @@
           </a:p>
         </p:txBody>
       </p:sp>
-      <p:cxnSp>
-        <p:nvCxnSpPr>
-          <p:cNvPr id="14" name="꺾인 연결선 13"/>
-          <p:cNvCxnSpPr/>
-          <p:nvPr/>
-        </p:nvCxnSpPr>
-        <p:spPr>
-          <a:xfrm>
-            <a:off x="11932439" y="1467995"/>
-            <a:ext cx="936104" cy="426793"/>
-          </a:xfrm>
-          <a:prstGeom prst="bentConnector3">
-            <a:avLst>
-              <a:gd name="adj1" fmla="val 101605"/>
-            </a:avLst>
-          </a:prstGeom>
-          <a:ln w="19050">
-            <a:tailEnd type="triangle"/>
-          </a:ln>
-        </p:spPr>
-        <p:style>
-          <a:lnRef idx="1">
-            <a:schemeClr val="accent1"/>
-          </a:lnRef>
-          <a:fillRef idx="0">
-            <a:schemeClr val="accent1"/>
-          </a:fillRef>
-          <a:effectRef idx="0">
-            <a:schemeClr val="accent1"/>
-          </a:effectRef>
-          <a:fontRef idx="minor">
-            <a:schemeClr val="tx1"/>
-          </a:fontRef>
-        </p:style>
-      </p:cxnSp>
-      <p:sp>
-        <p:nvSpPr>
-          <p:cNvPr id="24" name="직사각형 23"/>
-          <p:cNvSpPr/>
-          <p:nvPr/>
-        </p:nvSpPr>
-        <p:spPr>
-          <a:xfrm>
-            <a:off x="9628184" y="3905848"/>
-            <a:ext cx="1199434" cy="216024"/>
-          </a:xfrm>
-          <a:prstGeom prst="rect">
-            <a:avLst/>
-          </a:prstGeom>
-          <a:noFill/>
-        </p:spPr>
-        <p:style>
-          <a:lnRef idx="2">
-            <a:schemeClr val="accent1">
-              <a:shade val="50000"/>
-            </a:schemeClr>
-          </a:lnRef>
-          <a:fillRef idx="1">
-            <a:schemeClr val="accent1"/>
-          </a:fillRef>
-          <a:effectRef idx="0">
-            <a:schemeClr val="accent1"/>
-          </a:effectRef>
-          <a:fontRef idx="minor">
-            <a:schemeClr val="lt1"/>
-          </a:fontRef>
-        </p:style>
-        <p:txBody>
-          <a:bodyPr rtlCol="0" anchor="ctr"/>
-          <a:lstStyle/>
-          <a:p>
-            <a:pPr algn="ctr"/>
-            <a:endParaRPr lang="ko-KR" altLang="en-US" dirty="0"/>
-          </a:p>
-        </p:txBody>
-      </p:sp>
-      <p:cxnSp>
-        <p:nvCxnSpPr>
-          <p:cNvPr id="27" name="꺾인 연결선 26"/>
-          <p:cNvCxnSpPr/>
-          <p:nvPr/>
-        </p:nvCxnSpPr>
-        <p:spPr>
-          <a:xfrm flipV="1">
-            <a:off x="10827618" y="3766996"/>
-            <a:ext cx="1608877" cy="239176"/>
-          </a:xfrm>
-          <a:prstGeom prst="bentConnector2">
-            <a:avLst/>
-          </a:prstGeom>
-          <a:ln w="28575">
-            <a:tailEnd type="triangle"/>
-          </a:ln>
-        </p:spPr>
-        <p:style>
-          <a:lnRef idx="1">
-            <a:schemeClr val="accent1"/>
-          </a:lnRef>
-          <a:fillRef idx="0">
-            <a:schemeClr val="accent1"/>
-          </a:fillRef>
-          <a:effectRef idx="0">
-            <a:schemeClr val="accent1"/>
-          </a:effectRef>
-          <a:fontRef idx="minor">
-            <a:schemeClr val="tx1"/>
-          </a:fontRef>
-        </p:style>
-      </p:cxnSp>
       <p:sp>
         <p:nvSpPr>
           <p:cNvPr id="22" name="직사각형 21"/>
@@ -10414,63 +9460,6 @@
           <a:p>
             <a:pPr algn="ctr"/>
             <a:endParaRPr lang="ko-KR" altLang="en-US" dirty="0"/>
-          </a:p>
-        </p:txBody>
-      </p:sp>
-      <p:sp>
-        <p:nvSpPr>
-          <p:cNvPr id="42" name="직사각형 41"/>
-          <p:cNvSpPr/>
-          <p:nvPr/>
-        </p:nvSpPr>
-        <p:spPr>
-          <a:xfrm>
-            <a:off x="10237414" y="3080394"/>
-            <a:ext cx="488432" cy="216827"/>
-          </a:xfrm>
-          <a:prstGeom prst="rect">
-            <a:avLst/>
-          </a:prstGeom>
-          <a:noFill/>
-          <a:ln>
-            <a:solidFill>
-              <a:srgbClr val="FF0000"/>
-            </a:solidFill>
-          </a:ln>
-        </p:spPr>
-        <p:style>
-          <a:lnRef idx="2">
-            <a:schemeClr val="accent1">
-              <a:shade val="50000"/>
-            </a:schemeClr>
-          </a:lnRef>
-          <a:fillRef idx="1">
-            <a:schemeClr val="accent1"/>
-          </a:fillRef>
-          <a:effectRef idx="0">
-            <a:schemeClr val="accent1"/>
-          </a:effectRef>
-          <a:fontRef idx="minor">
-            <a:schemeClr val="lt1"/>
-          </a:fontRef>
-        </p:style>
-        <p:txBody>
-          <a:bodyPr rot="0" spcFirstLastPara="0" vertOverflow="overflow" horzOverflow="overflow" vert="horz" wrap="square" lIns="91440" tIns="45720" rIns="91440" bIns="45720" numCol="1" spcCol="0" rtlCol="0" fromWordArt="0" anchor="ctr" anchorCtr="0" forceAA="0" compatLnSpc="1">
-            <a:prstTxWarp prst="textNoShape">
-              <a:avLst/>
-            </a:prstTxWarp>
-            <a:noAutofit/>
-          </a:bodyPr>
-          <a:lstStyle/>
-          <a:p>
-            <a:pPr algn="ctr"/>
-            <a:endParaRPr lang="ko-KR" altLang="en-US" sz="1400" dirty="0">
-              <a:solidFill>
-                <a:schemeClr val="accent1">
-                  <a:lumMod val="75000"/>
-                </a:schemeClr>
-              </a:solidFill>
-            </a:endParaRPr>
           </a:p>
         </p:txBody>
       </p:sp>
@@ -10820,8 +9809,8 @@
         </p:blipFill>
         <p:spPr>
           <a:xfrm>
-            <a:off x="782351" y="1107303"/>
-            <a:ext cx="8002117" cy="4163006"/>
+            <a:off x="5076056" y="3341051"/>
+            <a:ext cx="3708412" cy="1929257"/>
           </a:xfrm>
           <a:prstGeom prst="rect">
             <a:avLst/>
@@ -11136,172 +10125,6 @@
       </p:sp>
       <p:sp>
         <p:nvSpPr>
-          <p:cNvPr id="16" name="직사각형 15"/>
-          <p:cNvSpPr/>
-          <p:nvPr/>
-        </p:nvSpPr>
-        <p:spPr>
-          <a:xfrm>
-            <a:off x="9811491" y="2031586"/>
-            <a:ext cx="488432" cy="216827"/>
-          </a:xfrm>
-          <a:prstGeom prst="rect">
-            <a:avLst/>
-          </a:prstGeom>
-          <a:noFill/>
-          <a:ln>
-            <a:solidFill>
-              <a:srgbClr val="FF0000"/>
-            </a:solidFill>
-          </a:ln>
-        </p:spPr>
-        <p:style>
-          <a:lnRef idx="2">
-            <a:schemeClr val="accent1">
-              <a:shade val="50000"/>
-            </a:schemeClr>
-          </a:lnRef>
-          <a:fillRef idx="1">
-            <a:schemeClr val="accent1"/>
-          </a:fillRef>
-          <a:effectRef idx="0">
-            <a:schemeClr val="accent1"/>
-          </a:effectRef>
-          <a:fontRef idx="minor">
-            <a:schemeClr val="lt1"/>
-          </a:fontRef>
-        </p:style>
-        <p:txBody>
-          <a:bodyPr rot="0" spcFirstLastPara="0" vertOverflow="overflow" horzOverflow="overflow" vert="horz" wrap="square" lIns="91440" tIns="45720" rIns="91440" bIns="45720" numCol="1" spcCol="0" rtlCol="0" fromWordArt="0" anchor="ctr" anchorCtr="0" forceAA="0" compatLnSpc="1">
-            <a:prstTxWarp prst="textNoShape">
-              <a:avLst/>
-            </a:prstTxWarp>
-            <a:noAutofit/>
-          </a:bodyPr>
-          <a:lstStyle/>
-          <a:p>
-            <a:pPr algn="ctr"/>
-            <a:endParaRPr lang="ko-KR" altLang="en-US" sz="1400" dirty="0">
-              <a:solidFill>
-                <a:schemeClr val="accent1">
-                  <a:lumMod val="75000"/>
-                </a:schemeClr>
-              </a:solidFill>
-            </a:endParaRPr>
-          </a:p>
-        </p:txBody>
-      </p:sp>
-      <p:cxnSp>
-        <p:nvCxnSpPr>
-          <p:cNvPr id="14" name="꺾인 연결선 13"/>
-          <p:cNvCxnSpPr/>
-          <p:nvPr/>
-        </p:nvCxnSpPr>
-        <p:spPr>
-          <a:xfrm>
-            <a:off x="11932439" y="1467995"/>
-            <a:ext cx="936104" cy="426793"/>
-          </a:xfrm>
-          <a:prstGeom prst="bentConnector3">
-            <a:avLst>
-              <a:gd name="adj1" fmla="val 101605"/>
-            </a:avLst>
-          </a:prstGeom>
-          <a:ln w="19050">
-            <a:tailEnd type="triangle"/>
-          </a:ln>
-        </p:spPr>
-        <p:style>
-          <a:lnRef idx="1">
-            <a:schemeClr val="accent1"/>
-          </a:lnRef>
-          <a:fillRef idx="0">
-            <a:schemeClr val="accent1"/>
-          </a:fillRef>
-          <a:effectRef idx="0">
-            <a:schemeClr val="accent1"/>
-          </a:effectRef>
-          <a:fontRef idx="minor">
-            <a:schemeClr val="tx1"/>
-          </a:fontRef>
-        </p:style>
-      </p:cxnSp>
-      <p:sp>
-        <p:nvSpPr>
-          <p:cNvPr id="24" name="직사각형 23"/>
-          <p:cNvSpPr/>
-          <p:nvPr/>
-        </p:nvSpPr>
-        <p:spPr>
-          <a:xfrm>
-            <a:off x="9628184" y="3905848"/>
-            <a:ext cx="1199434" cy="216024"/>
-          </a:xfrm>
-          <a:prstGeom prst="rect">
-            <a:avLst/>
-          </a:prstGeom>
-          <a:noFill/>
-        </p:spPr>
-        <p:style>
-          <a:lnRef idx="2">
-            <a:schemeClr val="accent1">
-              <a:shade val="50000"/>
-            </a:schemeClr>
-          </a:lnRef>
-          <a:fillRef idx="1">
-            <a:schemeClr val="accent1"/>
-          </a:fillRef>
-          <a:effectRef idx="0">
-            <a:schemeClr val="accent1"/>
-          </a:effectRef>
-          <a:fontRef idx="minor">
-            <a:schemeClr val="lt1"/>
-          </a:fontRef>
-        </p:style>
-        <p:txBody>
-          <a:bodyPr rtlCol="0" anchor="ctr"/>
-          <a:lstStyle/>
-          <a:p>
-            <a:pPr algn="ctr"/>
-            <a:endParaRPr lang="ko-KR" altLang="en-US" dirty="0"/>
-          </a:p>
-        </p:txBody>
-      </p:sp>
-      <p:cxnSp>
-        <p:nvCxnSpPr>
-          <p:cNvPr id="27" name="꺾인 연결선 26"/>
-          <p:cNvCxnSpPr/>
-          <p:nvPr/>
-        </p:nvCxnSpPr>
-        <p:spPr>
-          <a:xfrm flipV="1">
-            <a:off x="10827618" y="3766996"/>
-            <a:ext cx="1608877" cy="239176"/>
-          </a:xfrm>
-          <a:prstGeom prst="bentConnector2">
-            <a:avLst/>
-          </a:prstGeom>
-          <a:ln w="28575">
-            <a:tailEnd type="triangle"/>
-          </a:ln>
-        </p:spPr>
-        <p:style>
-          <a:lnRef idx="1">
-            <a:schemeClr val="accent1"/>
-          </a:lnRef>
-          <a:fillRef idx="0">
-            <a:schemeClr val="accent1"/>
-          </a:fillRef>
-          <a:effectRef idx="0">
-            <a:schemeClr val="accent1"/>
-          </a:effectRef>
-          <a:fontRef idx="minor">
-            <a:schemeClr val="tx1"/>
-          </a:fontRef>
-        </p:style>
-      </p:cxnSp>
-      <p:sp>
-        <p:nvSpPr>
           <p:cNvPr id="22" name="직사각형 21"/>
           <p:cNvSpPr/>
           <p:nvPr/>
@@ -11343,177 +10166,6 @@
           <a:p>
             <a:pPr algn="ctr"/>
             <a:endParaRPr lang="ko-KR" altLang="en-US" dirty="0"/>
-          </a:p>
-        </p:txBody>
-      </p:sp>
-      <p:sp>
-        <p:nvSpPr>
-          <p:cNvPr id="38" name="직사각형 37"/>
-          <p:cNvSpPr/>
-          <p:nvPr/>
-        </p:nvSpPr>
-        <p:spPr>
-          <a:xfrm>
-            <a:off x="9963891" y="2183986"/>
-            <a:ext cx="488432" cy="216827"/>
-          </a:xfrm>
-          <a:prstGeom prst="rect">
-            <a:avLst/>
-          </a:prstGeom>
-          <a:noFill/>
-          <a:ln>
-            <a:solidFill>
-              <a:srgbClr val="FF0000"/>
-            </a:solidFill>
-          </a:ln>
-        </p:spPr>
-        <p:style>
-          <a:lnRef idx="2">
-            <a:schemeClr val="accent1">
-              <a:shade val="50000"/>
-            </a:schemeClr>
-          </a:lnRef>
-          <a:fillRef idx="1">
-            <a:schemeClr val="accent1"/>
-          </a:fillRef>
-          <a:effectRef idx="0">
-            <a:schemeClr val="accent1"/>
-          </a:effectRef>
-          <a:fontRef idx="minor">
-            <a:schemeClr val="lt1"/>
-          </a:fontRef>
-        </p:style>
-        <p:txBody>
-          <a:bodyPr rot="0" spcFirstLastPara="0" vertOverflow="overflow" horzOverflow="overflow" vert="horz" wrap="square" lIns="91440" tIns="45720" rIns="91440" bIns="45720" numCol="1" spcCol="0" rtlCol="0" fromWordArt="0" anchor="ctr" anchorCtr="0" forceAA="0" compatLnSpc="1">
-            <a:prstTxWarp prst="textNoShape">
-              <a:avLst/>
-            </a:prstTxWarp>
-            <a:noAutofit/>
-          </a:bodyPr>
-          <a:lstStyle/>
-          <a:p>
-            <a:pPr algn="ctr"/>
-            <a:endParaRPr lang="ko-KR" altLang="en-US" sz="1400" dirty="0">
-              <a:solidFill>
-                <a:schemeClr val="accent1">
-                  <a:lumMod val="75000"/>
-                </a:schemeClr>
-              </a:solidFill>
-            </a:endParaRPr>
-          </a:p>
-        </p:txBody>
-      </p:sp>
-      <p:sp>
-        <p:nvSpPr>
-          <p:cNvPr id="41" name="직사각형 40"/>
-          <p:cNvSpPr/>
-          <p:nvPr/>
-        </p:nvSpPr>
-        <p:spPr>
-          <a:xfrm>
-            <a:off x="10085014" y="2387265"/>
-            <a:ext cx="488432" cy="216827"/>
-          </a:xfrm>
-          <a:prstGeom prst="rect">
-            <a:avLst/>
-          </a:prstGeom>
-          <a:noFill/>
-          <a:ln>
-            <a:solidFill>
-              <a:srgbClr val="FF0000"/>
-            </a:solidFill>
-          </a:ln>
-        </p:spPr>
-        <p:style>
-          <a:lnRef idx="2">
-            <a:schemeClr val="accent1">
-              <a:shade val="50000"/>
-            </a:schemeClr>
-          </a:lnRef>
-          <a:fillRef idx="1">
-            <a:schemeClr val="accent1"/>
-          </a:fillRef>
-          <a:effectRef idx="0">
-            <a:schemeClr val="accent1"/>
-          </a:effectRef>
-          <a:fontRef idx="minor">
-            <a:schemeClr val="lt1"/>
-          </a:fontRef>
-        </p:style>
-        <p:txBody>
-          <a:bodyPr rot="0" spcFirstLastPara="0" vertOverflow="overflow" horzOverflow="overflow" vert="horz" wrap="square" lIns="91440" tIns="45720" rIns="91440" bIns="45720" numCol="1" spcCol="0" rtlCol="0" fromWordArt="0" anchor="ctr" anchorCtr="0" forceAA="0" compatLnSpc="1">
-            <a:prstTxWarp prst="textNoShape">
-              <a:avLst/>
-            </a:prstTxWarp>
-            <a:noAutofit/>
-          </a:bodyPr>
-          <a:lstStyle/>
-          <a:p>
-            <a:pPr algn="ctr"/>
-            <a:endParaRPr lang="ko-KR" altLang="en-US" sz="1400" dirty="0">
-              <a:solidFill>
-                <a:schemeClr val="accent1">
-                  <a:lumMod val="75000"/>
-                </a:schemeClr>
-              </a:solidFill>
-            </a:endParaRPr>
-          </a:p>
-        </p:txBody>
-      </p:sp>
-      <p:sp>
-        <p:nvSpPr>
-          <p:cNvPr id="42" name="직사각형 41"/>
-          <p:cNvSpPr/>
-          <p:nvPr/>
-        </p:nvSpPr>
-        <p:spPr>
-          <a:xfrm>
-            <a:off x="10237414" y="2539665"/>
-            <a:ext cx="488432" cy="216827"/>
-          </a:xfrm>
-          <a:prstGeom prst="rect">
-            <a:avLst/>
-          </a:prstGeom>
-          <a:noFill/>
-          <a:ln>
-            <a:solidFill>
-              <a:srgbClr val="FF0000"/>
-            </a:solidFill>
-          </a:ln>
-        </p:spPr>
-        <p:style>
-          <a:lnRef idx="2">
-            <a:schemeClr val="accent1">
-              <a:shade val="50000"/>
-            </a:schemeClr>
-          </a:lnRef>
-          <a:fillRef idx="1">
-            <a:schemeClr val="accent1"/>
-          </a:fillRef>
-          <a:effectRef idx="0">
-            <a:schemeClr val="accent1"/>
-          </a:effectRef>
-          <a:fontRef idx="minor">
-            <a:schemeClr val="lt1"/>
-          </a:fontRef>
-        </p:style>
-        <p:txBody>
-          <a:bodyPr rot="0" spcFirstLastPara="0" vertOverflow="overflow" horzOverflow="overflow" vert="horz" wrap="square" lIns="91440" tIns="45720" rIns="91440" bIns="45720" numCol="1" spcCol="0" rtlCol="0" fromWordArt="0" anchor="ctr" anchorCtr="0" forceAA="0" compatLnSpc="1">
-            <a:prstTxWarp prst="textNoShape">
-              <a:avLst/>
-            </a:prstTxWarp>
-            <a:noAutofit/>
-          </a:bodyPr>
-          <a:lstStyle/>
-          <a:p>
-            <a:pPr algn="ctr"/>
-            <a:endParaRPr lang="ko-KR" altLang="en-US" sz="1400" dirty="0">
-              <a:solidFill>
-                <a:schemeClr val="accent1">
-                  <a:lumMod val="75000"/>
-                </a:schemeClr>
-              </a:solidFill>
-            </a:endParaRPr>
           </a:p>
         </p:txBody>
       </p:sp>
@@ -12039,8 +10691,8 @@
         </p:blipFill>
         <p:spPr>
           <a:xfrm>
-            <a:off x="1925960" y="2292399"/>
-            <a:ext cx="6876256" cy="4228082"/>
+            <a:off x="2328993" y="3781794"/>
+            <a:ext cx="6481632" cy="2689911"/>
           </a:xfrm>
           <a:prstGeom prst="rect">
             <a:avLst/>
@@ -12353,41 +11005,6 @@
           </a:p>
         </p:txBody>
       </p:sp>
-      <p:cxnSp>
-        <p:nvCxnSpPr>
-          <p:cNvPr id="14" name="꺾인 연결선 13"/>
-          <p:cNvCxnSpPr/>
-          <p:nvPr/>
-        </p:nvCxnSpPr>
-        <p:spPr>
-          <a:xfrm>
-            <a:off x="11932439" y="1467995"/>
-            <a:ext cx="936104" cy="426793"/>
-          </a:xfrm>
-          <a:prstGeom prst="bentConnector3">
-            <a:avLst>
-              <a:gd name="adj1" fmla="val 101605"/>
-            </a:avLst>
-          </a:prstGeom>
-          <a:ln w="19050">
-            <a:tailEnd type="triangle"/>
-          </a:ln>
-        </p:spPr>
-        <p:style>
-          <a:lnRef idx="1">
-            <a:schemeClr val="accent1"/>
-          </a:lnRef>
-          <a:fillRef idx="0">
-            <a:schemeClr val="accent1"/>
-          </a:fillRef>
-          <a:effectRef idx="0">
-            <a:schemeClr val="accent1"/>
-          </a:effectRef>
-          <a:fontRef idx="minor">
-            <a:schemeClr val="tx1"/>
-          </a:fontRef>
-        </p:style>
-      </p:cxnSp>
       <p:sp>
         <p:nvSpPr>
           <p:cNvPr id="26" name="TextBox 25"/>
@@ -12483,7 +11100,7 @@
         <p:spPr>
           <a:xfrm>
             <a:off x="323528" y="4293096"/>
-            <a:ext cx="8640960" cy="2062103"/>
+            <a:ext cx="8640960" cy="1569660"/>
           </a:xfrm>
           <a:prstGeom prst="rect">
             <a:avLst/>
@@ -12510,7 +11127,7 @@
                 <a:latin typeface="HY헤드라인M" pitchFamily="18" charset="-127"/>
                 <a:ea typeface="HY헤드라인M" pitchFamily="18" charset="-127"/>
               </a:rPr>
-              <a:t>좀 더 추가하고 싶은 부분 </a:t>
+              <a:t>제법 쉽게 느껴진 프로젝트라고 생각했지만</a:t>
             </a:r>
             <a:r>
               <a:rPr lang="en-US" altLang="ko-KR" sz="1600" dirty="0" smtClean="0">
@@ -12522,7 +11139,7 @@
                 <a:latin typeface="HY헤드라인M" pitchFamily="18" charset="-127"/>
                 <a:ea typeface="HY헤드라인M" pitchFamily="18" charset="-127"/>
               </a:rPr>
-              <a:t>(</a:t>
+              <a:t>,</a:t>
             </a:r>
             <a:r>
               <a:rPr lang="ko-KR" altLang="en-US" sz="1600" dirty="0" smtClean="0">
@@ -12534,7 +11151,7 @@
                 <a:latin typeface="HY헤드라인M" pitchFamily="18" charset="-127"/>
                 <a:ea typeface="HY헤드라인M" pitchFamily="18" charset="-127"/>
               </a:rPr>
-              <a:t>차트를 사용 하여 좀 더 시각적으로 볼 수 있게 구현하기</a:t>
+              <a:t> 자만 이었다</a:t>
             </a:r>
             <a:r>
               <a:rPr lang="en-US" altLang="ko-KR" sz="1600" dirty="0" smtClean="0">
@@ -12546,7 +11163,7 @@
                 <a:latin typeface="HY헤드라인M" pitchFamily="18" charset="-127"/>
                 <a:ea typeface="HY헤드라인M" pitchFamily="18" charset="-127"/>
               </a:rPr>
-              <a:t>, </a:t>
+              <a:t>. </a:t>
             </a:r>
             <a:r>
               <a:rPr lang="ko-KR" altLang="en-US" sz="1600" dirty="0" smtClean="0">
@@ -12558,7 +11175,7 @@
                 <a:latin typeface="HY헤드라인M" pitchFamily="18" charset="-127"/>
                 <a:ea typeface="HY헤드라인M" pitchFamily="18" charset="-127"/>
               </a:rPr>
-              <a:t>텍스트 문서를 이용하여 많은 학생의 </a:t>
+              <a:t>빨리 끝낼 수 있다는 생각에 천천히 하게 되었고 중간중간 난관에 부딪힐 때 마다 쉽게 해결할 수 없어서 힘들었다</a:t>
             </a:r>
             <a:r>
               <a:rPr lang="en-US" altLang="ko-KR" sz="1600" dirty="0" smtClean="0">
@@ -12570,8 +11187,14 @@
                 <a:latin typeface="HY헤드라인M" pitchFamily="18" charset="-127"/>
                 <a:ea typeface="HY헤드라인M" pitchFamily="18" charset="-127"/>
               </a:rPr>
-              <a:t>Data</a:t>
-            </a:r>
+              <a:t>.</a:t>
+            </a:r>
+          </a:p>
+          <a:p>
+            <a:pPr marL="285750" indent="-285750">
+              <a:buFontTx/>
+              <a:buChar char="-"/>
+            </a:pPr>
             <a:r>
               <a:rPr lang="ko-KR" altLang="en-US" sz="1600" dirty="0" smtClean="0">
                 <a:solidFill>
@@ -12582,10 +11205,10 @@
                 <a:latin typeface="HY헤드라인M" pitchFamily="18" charset="-127"/>
                 <a:ea typeface="HY헤드라인M" pitchFamily="18" charset="-127"/>
               </a:rPr>
-              <a:t>를 넣는 기능 </a:t>
-            </a:r>
-            <a:r>
-              <a:rPr lang="en-US" altLang="ko-KR" sz="1600" dirty="0" smtClean="0">
+              <a:t>다음 </a:t>
+            </a:r>
+            <a:r>
+              <a:rPr lang="ko-KR" altLang="en-US" sz="1600" dirty="0" err="1" smtClean="0">
                 <a:solidFill>
                   <a:schemeClr val="bg1">
                     <a:lumMod val="65000"/>
@@ -12594,7 +11217,7 @@
                 <a:latin typeface="HY헤드라인M" pitchFamily="18" charset="-127"/>
                 <a:ea typeface="HY헤드라인M" pitchFamily="18" charset="-127"/>
               </a:rPr>
-              <a:t>) </a:t>
+              <a:t>프로젝트때는</a:t>
             </a:r>
             <a:r>
               <a:rPr lang="ko-KR" altLang="en-US" sz="1600" dirty="0" smtClean="0">
@@ -12606,10 +11229,10 @@
                 <a:latin typeface="HY헤드라인M" pitchFamily="18" charset="-127"/>
                 <a:ea typeface="HY헤드라인M" pitchFamily="18" charset="-127"/>
               </a:rPr>
-              <a:t>과 선생님께서 </a:t>
-            </a:r>
-            <a:r>
-              <a:rPr lang="en-US" altLang="ko-KR" sz="1600" dirty="0" smtClean="0">
+              <a:t> 항상 </a:t>
+            </a:r>
+            <a:r>
+              <a:rPr lang="en-US" altLang="ko-KR" sz="1600" dirty="0" err="1" smtClean="0">
                 <a:solidFill>
                   <a:schemeClr val="bg1">
                     <a:lumMod val="65000"/>
@@ -12618,7 +11241,7 @@
                 <a:latin typeface="HY헤드라인M" pitchFamily="18" charset="-127"/>
                 <a:ea typeface="HY헤드라인M" pitchFamily="18" charset="-127"/>
               </a:rPr>
-              <a:t>feedback </a:t>
+              <a:t>Github</a:t>
             </a:r>
             <a:r>
               <a:rPr lang="ko-KR" altLang="en-US" sz="1600" dirty="0" smtClean="0">
@@ -12630,10 +11253,76 @@
                 <a:latin typeface="HY헤드라인M" pitchFamily="18" charset="-127"/>
                 <a:ea typeface="HY헤드라인M" pitchFamily="18" charset="-127"/>
               </a:rPr>
-              <a:t>해준 로그인</a:t>
-            </a:r>
-            <a:r>
-              <a:rPr lang="en-US" altLang="ko-KR" sz="1600" dirty="0">
+              <a:t>와 주석을 잘 이용해서 </a:t>
+            </a:r>
+            <a:r>
+              <a:rPr lang="ko-KR" altLang="en-US" sz="1600" dirty="0" err="1" smtClean="0">
+                <a:solidFill>
+                  <a:schemeClr val="bg1">
+                    <a:lumMod val="65000"/>
+                  </a:schemeClr>
+                </a:solidFill>
+                <a:latin typeface="HY헤드라인M" pitchFamily="18" charset="-127"/>
+                <a:ea typeface="HY헤드라인M" pitchFamily="18" charset="-127"/>
+              </a:rPr>
+              <a:t>가독성있는</a:t>
+            </a:r>
+            <a:r>
+              <a:rPr lang="ko-KR" altLang="en-US" sz="1600" dirty="0" smtClean="0">
+                <a:solidFill>
+                  <a:schemeClr val="bg1">
+                    <a:lumMod val="65000"/>
+                  </a:schemeClr>
+                </a:solidFill>
+                <a:latin typeface="HY헤드라인M" pitchFamily="18" charset="-127"/>
+                <a:ea typeface="HY헤드라인M" pitchFamily="18" charset="-127"/>
+              </a:rPr>
+              <a:t> 코딩을 할 수 있도록 해야겠다</a:t>
+            </a:r>
+            <a:r>
+              <a:rPr lang="en-US" altLang="ko-KR" sz="1600" dirty="0" smtClean="0">
+                <a:solidFill>
+                  <a:schemeClr val="bg1">
+                    <a:lumMod val="65000"/>
+                  </a:schemeClr>
+                </a:solidFill>
+                <a:latin typeface="HY헤드라인M" pitchFamily="18" charset="-127"/>
+                <a:ea typeface="HY헤드라인M" pitchFamily="18" charset="-127"/>
+              </a:rPr>
+              <a:t>.</a:t>
+            </a:r>
+          </a:p>
+          <a:p>
+            <a:pPr marL="285750" indent="-285750">
+              <a:buFontTx/>
+              <a:buChar char="-"/>
+            </a:pPr>
+            <a:r>
+              <a:rPr lang="ko-KR" altLang="en-US" sz="1600" dirty="0" smtClean="0">
+                <a:solidFill>
+                  <a:schemeClr val="bg1">
+                    <a:lumMod val="65000"/>
+                  </a:schemeClr>
+                </a:solidFill>
+                <a:latin typeface="HY헤드라인M" pitchFamily="18" charset="-127"/>
+                <a:ea typeface="HY헤드라인M" pitchFamily="18" charset="-127"/>
+              </a:rPr>
+              <a:t>디자인에 좀더 </a:t>
+            </a:r>
+            <a:r>
+              <a:rPr lang="ko-KR" altLang="en-US" sz="1600" dirty="0" err="1" smtClean="0">
+                <a:solidFill>
+                  <a:schemeClr val="bg1">
+                    <a:lumMod val="65000"/>
+                  </a:schemeClr>
+                </a:solidFill>
+                <a:latin typeface="HY헤드라인M" pitchFamily="18" charset="-127"/>
+                <a:ea typeface="HY헤드라인M" pitchFamily="18" charset="-127"/>
+              </a:rPr>
+              <a:t>신경쓰지</a:t>
+            </a:r>
+            <a:r>
+              <a:rPr lang="ko-KR" altLang="en-US" sz="1600" dirty="0" smtClean="0">
                 <a:solidFill>
                   <a:schemeClr val="bg1">
                     <a:lumMod val="65000"/>
@@ -12645,7 +11334,7 @@
               <a:t> </a:t>
             </a:r>
             <a:r>
-              <a:rPr lang="ko-KR" altLang="en-US" sz="1600" dirty="0" smtClean="0">
+              <a:rPr lang="ko-KR" altLang="en-US" sz="1600" dirty="0" err="1" smtClean="0">
                 <a:solidFill>
                   <a:schemeClr val="bg1">
                     <a:lumMod val="65000"/>
@@ -12654,10 +11343,10 @@
                 <a:latin typeface="HY헤드라인M" pitchFamily="18" charset="-127"/>
                 <a:ea typeface="HY헤드라인M" pitchFamily="18" charset="-127"/>
               </a:rPr>
-              <a:t>기능 추가</a:t>
-            </a:r>
-            <a:r>
-              <a:rPr lang="en-US" altLang="ko-KR" sz="1600" dirty="0" smtClean="0">
+              <a:t>못한점</a:t>
+            </a:r>
+            <a:r>
+              <a:rPr lang="ko-KR" altLang="en-US" sz="1600" dirty="0" smtClean="0">
                 <a:solidFill>
                   <a:schemeClr val="bg1">
                     <a:lumMod val="65000"/>
@@ -12666,10 +11355,10 @@
                 <a:latin typeface="HY헤드라인M" pitchFamily="18" charset="-127"/>
                 <a:ea typeface="HY헤드라인M" pitchFamily="18" charset="-127"/>
               </a:rPr>
-              <a:t>, UI</a:t>
-            </a:r>
-            <a:r>
-              <a:rPr lang="ko-KR" altLang="en-US" sz="1600" dirty="0" smtClean="0">
+              <a:t> 많이 아쉽다</a:t>
+            </a:r>
+            <a:r>
+              <a:rPr lang="en-US" altLang="ko-KR" sz="1600" dirty="0" smtClean="0">
                 <a:solidFill>
                   <a:schemeClr val="bg1">
                     <a:lumMod val="65000"/>
@@ -12678,273 +11367,15 @@
                 <a:latin typeface="HY헤드라인M" pitchFamily="18" charset="-127"/>
                 <a:ea typeface="HY헤드라인M" pitchFamily="18" charset="-127"/>
               </a:rPr>
-              <a:t>의 다채롭게 하기 등등</a:t>
-            </a:r>
-            <a:r>
-              <a:rPr lang="en-US" altLang="ko-KR" sz="1600" dirty="0" smtClean="0">
-                <a:solidFill>
-                  <a:schemeClr val="bg1">
-                    <a:lumMod val="65000"/>
-                  </a:schemeClr>
-                </a:solidFill>
-                <a:latin typeface="HY헤드라인M" pitchFamily="18" charset="-127"/>
-                <a:ea typeface="HY헤드라인M" pitchFamily="18" charset="-127"/>
-              </a:rPr>
-              <a:t>...</a:t>
-            </a:r>
-            <a:r>
-              <a:rPr lang="ko-KR" altLang="en-US" sz="1600" dirty="0" smtClean="0">
-                <a:solidFill>
-                  <a:schemeClr val="bg1">
-                    <a:lumMod val="65000"/>
-                  </a:schemeClr>
-                </a:solidFill>
-                <a:latin typeface="HY헤드라인M" pitchFamily="18" charset="-127"/>
-                <a:ea typeface="HY헤드라인M" pitchFamily="18" charset="-127"/>
-              </a:rPr>
-              <a:t>에 대해서 구현하지 못 한 것에 대해 아쉬움을 느낀다</a:t>
-            </a:r>
-            <a:r>
-              <a:rPr lang="en-US" altLang="ko-KR" sz="1600" dirty="0" smtClean="0">
-                <a:solidFill>
-                  <a:schemeClr val="bg1">
-                    <a:lumMod val="65000"/>
-                  </a:schemeClr>
-                </a:solidFill>
-                <a:latin typeface="HY헤드라인M" pitchFamily="18" charset="-127"/>
-                <a:ea typeface="HY헤드라인M" pitchFamily="18" charset="-127"/>
-              </a:rPr>
-              <a:t>.(</a:t>
-            </a:r>
-            <a:r>
-              <a:rPr lang="ko-KR" altLang="en-US" sz="1600" dirty="0" smtClean="0">
-                <a:solidFill>
-                  <a:schemeClr val="bg1">
-                    <a:lumMod val="65000"/>
-                  </a:schemeClr>
-                </a:solidFill>
-                <a:latin typeface="HY헤드라인M" pitchFamily="18" charset="-127"/>
-                <a:ea typeface="HY헤드라인M" pitchFamily="18" charset="-127"/>
-              </a:rPr>
-              <a:t>완료</a:t>
-            </a:r>
-            <a:r>
-              <a:rPr lang="en-US" altLang="ko-KR" sz="1600" dirty="0" smtClean="0">
-                <a:solidFill>
-                  <a:schemeClr val="bg1">
-                    <a:lumMod val="65000"/>
-                  </a:schemeClr>
-                </a:solidFill>
-                <a:latin typeface="HY헤드라인M" pitchFamily="18" charset="-127"/>
-                <a:ea typeface="HY헤드라인M" pitchFamily="18" charset="-127"/>
-              </a:rPr>
-              <a:t>)</a:t>
-            </a:r>
-            <a:endParaRPr lang="en-US" altLang="ko-KR" sz="1600" dirty="0" smtClean="0">
-              <a:solidFill>
-                <a:schemeClr val="bg1">
-                  <a:lumMod val="65000"/>
-                </a:schemeClr>
-              </a:solidFill>
-              <a:latin typeface="HY헤드라인M" pitchFamily="18" charset="-127"/>
-              <a:ea typeface="HY헤드라인M" pitchFamily="18" charset="-127"/>
-            </a:endParaRPr>
+              <a:t>.</a:t>
+            </a:r>
           </a:p>
           <a:p>
             <a:pPr marL="285750" indent="-285750">
               <a:buFontTx/>
               <a:buChar char="-"/>
             </a:pPr>
-            <a:r>
-              <a:rPr lang="ko-KR" altLang="en-US" sz="1600" dirty="0" smtClean="0">
-                <a:solidFill>
-                  <a:schemeClr val="bg1">
-                    <a:lumMod val="65000"/>
-                  </a:schemeClr>
-                </a:solidFill>
-                <a:latin typeface="HY헤드라인M" pitchFamily="18" charset="-127"/>
-                <a:ea typeface="HY헤드라인M" pitchFamily="18" charset="-127"/>
-              </a:rPr>
-              <a:t>제법 쉽게 느껴진 프로젝트라고 생각했지만</a:t>
-            </a:r>
-            <a:r>
-              <a:rPr lang="en-US" altLang="ko-KR" sz="1600" dirty="0" smtClean="0">
-                <a:solidFill>
-                  <a:schemeClr val="bg1">
-                    <a:lumMod val="65000"/>
-                  </a:schemeClr>
-                </a:solidFill>
-                <a:latin typeface="HY헤드라인M" pitchFamily="18" charset="-127"/>
-                <a:ea typeface="HY헤드라인M" pitchFamily="18" charset="-127"/>
-              </a:rPr>
-              <a:t>,</a:t>
-            </a:r>
-            <a:r>
-              <a:rPr lang="ko-KR" altLang="en-US" sz="1600" dirty="0" smtClean="0">
-                <a:solidFill>
-                  <a:schemeClr val="bg1">
-                    <a:lumMod val="65000"/>
-                  </a:schemeClr>
-                </a:solidFill>
-                <a:latin typeface="HY헤드라인M" pitchFamily="18" charset="-127"/>
-                <a:ea typeface="HY헤드라인M" pitchFamily="18" charset="-127"/>
-              </a:rPr>
-              <a:t> 자만 이었다</a:t>
-            </a:r>
-            <a:r>
-              <a:rPr lang="en-US" altLang="ko-KR" sz="1600" dirty="0" smtClean="0">
-                <a:solidFill>
-                  <a:schemeClr val="bg1">
-                    <a:lumMod val="65000"/>
-                  </a:schemeClr>
-                </a:solidFill>
-                <a:latin typeface="HY헤드라인M" pitchFamily="18" charset="-127"/>
-                <a:ea typeface="HY헤드라인M" pitchFamily="18" charset="-127"/>
-              </a:rPr>
-              <a:t>. </a:t>
-            </a:r>
-            <a:r>
-              <a:rPr lang="ko-KR" altLang="en-US" sz="1600" dirty="0" smtClean="0">
-                <a:solidFill>
-                  <a:schemeClr val="bg1">
-                    <a:lumMod val="65000"/>
-                  </a:schemeClr>
-                </a:solidFill>
-                <a:latin typeface="HY헤드라인M" pitchFamily="18" charset="-127"/>
-                <a:ea typeface="HY헤드라인M" pitchFamily="18" charset="-127"/>
-              </a:rPr>
-              <a:t>빨리 끝낼 수 있다는 생각에 천천히 하게 되었고 중간중간 난관에 부딪힐 때 마다 쉽게 해결할 수 없어서 힘들었다</a:t>
-            </a:r>
-            <a:r>
-              <a:rPr lang="en-US" altLang="ko-KR" sz="1600" dirty="0" smtClean="0">
-                <a:solidFill>
-                  <a:schemeClr val="bg1">
-                    <a:lumMod val="65000"/>
-                  </a:schemeClr>
-                </a:solidFill>
-                <a:latin typeface="HY헤드라인M" pitchFamily="18" charset="-127"/>
-                <a:ea typeface="HY헤드라인M" pitchFamily="18" charset="-127"/>
-              </a:rPr>
-              <a:t>.</a:t>
-            </a:r>
-          </a:p>
-          <a:p>
-            <a:pPr marL="285750" indent="-285750">
-              <a:buFontTx/>
-              <a:buChar char="-"/>
-            </a:pPr>
-            <a:r>
-              <a:rPr lang="ko-KR" altLang="en-US" sz="1600" dirty="0" smtClean="0">
-                <a:solidFill>
-                  <a:schemeClr val="bg1">
-                    <a:lumMod val="65000"/>
-                  </a:schemeClr>
-                </a:solidFill>
-                <a:latin typeface="HY헤드라인M" pitchFamily="18" charset="-127"/>
-                <a:ea typeface="HY헤드라인M" pitchFamily="18" charset="-127"/>
-              </a:rPr>
-              <a:t>다음 </a:t>
-            </a:r>
-            <a:r>
-              <a:rPr lang="ko-KR" altLang="en-US" sz="1600" dirty="0" err="1" smtClean="0">
-                <a:solidFill>
-                  <a:schemeClr val="bg1">
-                    <a:lumMod val="65000"/>
-                  </a:schemeClr>
-                </a:solidFill>
-                <a:latin typeface="HY헤드라인M" pitchFamily="18" charset="-127"/>
-                <a:ea typeface="HY헤드라인M" pitchFamily="18" charset="-127"/>
-              </a:rPr>
-              <a:t>프로젝트때는</a:t>
-            </a:r>
-            <a:r>
-              <a:rPr lang="ko-KR" altLang="en-US" sz="1600" dirty="0" smtClean="0">
-                <a:solidFill>
-                  <a:schemeClr val="bg1">
-                    <a:lumMod val="65000"/>
-                  </a:schemeClr>
-                </a:solidFill>
-                <a:latin typeface="HY헤드라인M" pitchFamily="18" charset="-127"/>
-                <a:ea typeface="HY헤드라인M" pitchFamily="18" charset="-127"/>
-              </a:rPr>
-              <a:t> 항상 </a:t>
-            </a:r>
-            <a:r>
-              <a:rPr lang="en-US" altLang="ko-KR" sz="1600" dirty="0" err="1" smtClean="0">
-                <a:solidFill>
-                  <a:schemeClr val="bg1">
-                    <a:lumMod val="65000"/>
-                  </a:schemeClr>
-                </a:solidFill>
-                <a:latin typeface="HY헤드라인M" pitchFamily="18" charset="-127"/>
-                <a:ea typeface="HY헤드라인M" pitchFamily="18" charset="-127"/>
-              </a:rPr>
-              <a:t>Github</a:t>
-            </a:r>
-            <a:r>
-              <a:rPr lang="ko-KR" altLang="en-US" sz="1600" dirty="0" smtClean="0">
-                <a:solidFill>
-                  <a:schemeClr val="bg1">
-                    <a:lumMod val="65000"/>
-                  </a:schemeClr>
-                </a:solidFill>
-                <a:latin typeface="HY헤드라인M" pitchFamily="18" charset="-127"/>
-                <a:ea typeface="HY헤드라인M" pitchFamily="18" charset="-127"/>
-              </a:rPr>
-              <a:t>와 주석을 잘 이용해서 </a:t>
-            </a:r>
-            <a:r>
-              <a:rPr lang="ko-KR" altLang="en-US" sz="1600" dirty="0" err="1" smtClean="0">
-                <a:solidFill>
-                  <a:schemeClr val="bg1">
-                    <a:lumMod val="65000"/>
-                  </a:schemeClr>
-                </a:solidFill>
-                <a:latin typeface="HY헤드라인M" pitchFamily="18" charset="-127"/>
-                <a:ea typeface="HY헤드라인M" pitchFamily="18" charset="-127"/>
-              </a:rPr>
-              <a:t>가독성</a:t>
-            </a:r>
-            <a:r>
-              <a:rPr lang="ko-KR" altLang="en-US" sz="1600" dirty="0" smtClean="0">
-                <a:solidFill>
-                  <a:schemeClr val="bg1">
-                    <a:lumMod val="65000"/>
-                  </a:schemeClr>
-                </a:solidFill>
-                <a:latin typeface="HY헤드라인M" pitchFamily="18" charset="-127"/>
-                <a:ea typeface="HY헤드라인M" pitchFamily="18" charset="-127"/>
-              </a:rPr>
-              <a:t> 좋게 만들어야 겠다</a:t>
-            </a:r>
-            <a:r>
-              <a:rPr lang="en-US" altLang="ko-KR" sz="1600" dirty="0" smtClean="0">
-                <a:solidFill>
-                  <a:schemeClr val="bg1">
-                    <a:lumMod val="65000"/>
-                  </a:schemeClr>
-                </a:solidFill>
-                <a:latin typeface="HY헤드라인M" pitchFamily="18" charset="-127"/>
-                <a:ea typeface="HY헤드라인M" pitchFamily="18" charset="-127"/>
-              </a:rPr>
-              <a:t>.</a:t>
-            </a:r>
             <a:endParaRPr lang="en-US" altLang="ko-KR" sz="1600" dirty="0" smtClean="0">
-              <a:solidFill>
-                <a:schemeClr val="bg1">
-                  <a:lumMod val="65000"/>
-                </a:schemeClr>
-              </a:solidFill>
-              <a:latin typeface="HY헤드라인M" pitchFamily="18" charset="-127"/>
-              <a:ea typeface="HY헤드라인M" pitchFamily="18" charset="-127"/>
-            </a:endParaRPr>
-          </a:p>
-          <a:p>
-            <a:pPr marL="285750" indent="-285750">
-              <a:buFontTx/>
-              <a:buChar char="-"/>
-            </a:pPr>
-            <a:endParaRPr lang="en-US" altLang="ko-KR" sz="1600" dirty="0">
               <a:solidFill>
                 <a:schemeClr val="bg1">
                   <a:lumMod val="65000"/>
@@ -13313,7 +11744,7 @@
                   <a:schemeClr val="bg1"/>
                 </a:solidFill>
               </a:rPr>
-              <a:t>PROJECT TOURLAND</a:t>
+              <a:t>PROJECT </a:t>
             </a:r>
             <a:endParaRPr lang="ko-KR" altLang="en-US" sz="1200" dirty="0" smtClean="0">
               <a:solidFill>
@@ -16040,7 +14471,7 @@
         <p:spPr>
           <a:xfrm>
             <a:off x="6627101" y="5339151"/>
-            <a:ext cx="1401283" cy="414024"/>
+            <a:ext cx="1401283" cy="461665"/>
           </a:xfrm>
           <a:prstGeom prst="rect">
             <a:avLst/>
@@ -16067,6 +14498,17 @@
                 </a:solidFill>
               </a:rPr>
               <a:t>Git</a:t>
+            </a:r>
+            <a:r>
+              <a:rPr lang="en-US" altLang="ko-KR" sz="1600" b="1" dirty="0" err="1" smtClean="0">
+                <a:solidFill>
+                  <a:schemeClr val="tx1">
+                    <a:lumMod val="95000"/>
+                    <a:lumOff val="5000"/>
+                  </a:schemeClr>
+                </a:solidFill>
+              </a:rPr>
+              <a:t>Hub</a:t>
             </a:r>
             <a:r>
               <a:rPr lang="en-US" altLang="ko-KR" sz="1600" b="1" dirty="0" smtClean="0">
@@ -23001,11 +21443,6 @@
               </a:rPr>
               <a:t>수정</a:t>
             </a:r>
-            <a:endParaRPr lang="ko-KR" altLang="en-US" sz="1400" dirty="0" smtClean="0">
-              <a:solidFill>
-                <a:schemeClr val="tx1"/>
-              </a:solidFill>
-            </a:endParaRPr>
           </a:p>
           <a:p>
             <a:pPr algn="ctr"/>
@@ -24283,16 +22720,15 @@
           </p:cNvPicPr>
           <p:nvPr/>
         </p:nvPicPr>
-        <p:blipFill>
+        <p:blipFill rotWithShape="1">
           <a:blip r:embed="rId3"/>
-          <a:stretch>
-            <a:fillRect/>
-          </a:stretch>
+          <a:srcRect r="78132"/>
+          <a:stretch/>
         </p:blipFill>
         <p:spPr>
           <a:xfrm>
-            <a:off x="971600" y="2358172"/>
-            <a:ext cx="7244217" cy="4003180"/>
+            <a:off x="971601" y="2358172"/>
+            <a:ext cx="1584176" cy="4003180"/>
           </a:xfrm>
           <a:prstGeom prst="rect">
             <a:avLst/>
